--- a/plots/representation VOC among S dropout samples_binomial GLMM.pptx
+++ b/plots/representation VOC among S dropout samples_binomial GLMM.pptx
@@ -4389,8 +4389,8 @@
           </p:nvSpPr>
           <p:spPr>
             <a:xfrm>
-              <a:off x="2188042" y="6076754"/>
-              <a:ext cx="54686" cy="54686"/>
+              <a:off x="2181658" y="6070370"/>
+              <a:ext cx="67453" cy="67453"/>
             </a:xfrm>
             <a:prstGeom prst="ellipse">
               <a:avLst/>
@@ -4424,8 +4424,8 @@
           </p:nvSpPr>
           <p:spPr>
             <a:xfrm>
-              <a:off x="2781098" y="6084527"/>
-              <a:ext cx="39139" cy="39139"/>
+              <a:off x="2771663" y="6075092"/>
+              <a:ext cx="58010" cy="58010"/>
             </a:xfrm>
             <a:prstGeom prst="ellipse">
               <a:avLst/>
@@ -4459,8 +4459,8 @@
           </p:nvSpPr>
           <p:spPr>
             <a:xfrm>
-              <a:off x="3358608" y="4929660"/>
-              <a:ext cx="54686" cy="54686"/>
+              <a:off x="3352225" y="4923277"/>
+              <a:ext cx="67453" cy="67453"/>
             </a:xfrm>
             <a:prstGeom prst="ellipse">
               <a:avLst/>
@@ -4494,8 +4494,8 @@
           </p:nvSpPr>
           <p:spPr>
             <a:xfrm>
-              <a:off x="3943892" y="3495092"/>
-              <a:ext cx="54686" cy="54686"/>
+              <a:off x="3937508" y="3488708"/>
+              <a:ext cx="67453" cy="67453"/>
             </a:xfrm>
             <a:prstGeom prst="ellipse">
               <a:avLst/>
@@ -4529,8 +4529,8 @@
           </p:nvSpPr>
           <p:spPr>
             <a:xfrm>
-              <a:off x="4512272" y="3428738"/>
-              <a:ext cx="88491" cy="88491"/>
+              <a:off x="4509990" y="3426456"/>
+              <a:ext cx="93055" cy="93055"/>
             </a:xfrm>
             <a:prstGeom prst="ellipse">
               <a:avLst/>
@@ -4564,8 +4564,8 @@
           </p:nvSpPr>
           <p:spPr>
             <a:xfrm>
-              <a:off x="5092717" y="3400764"/>
-              <a:ext cx="98168" cy="98168"/>
+              <a:off x="5091277" y="3399324"/>
+              <a:ext cx="101049" cy="101049"/>
             </a:xfrm>
             <a:prstGeom prst="ellipse">
               <a:avLst/>
@@ -4599,8 +4599,8 @@
           </p:nvSpPr>
           <p:spPr>
             <a:xfrm>
-              <a:off x="5671778" y="2477830"/>
-              <a:ext cx="110613" cy="110613"/>
+              <a:off x="5671298" y="2477350"/>
+              <a:ext cx="111573" cy="111573"/>
             </a:xfrm>
             <a:prstGeom prst="ellipse">
               <a:avLst/>
@@ -5725,8 +5725,8 @@
           </p:nvSpPr>
           <p:spPr>
             <a:xfrm>
-              <a:off x="7610896" y="3559643"/>
-              <a:ext cx="46619" cy="46619"/>
+              <a:off x="7629570" y="3578317"/>
+              <a:ext cx="9271" cy="9271"/>
             </a:xfrm>
             <a:prstGeom prst="ellipse">
               <a:avLst/>
@@ -5781,8 +5781,8 @@
           </p:nvSpPr>
           <p:spPr>
             <a:xfrm>
-              <a:off x="7586904" y="3755107"/>
-              <a:ext cx="94604" cy="94604"/>
+              <a:off x="7603069" y="3771272"/>
+              <a:ext cx="62273" cy="62273"/>
             </a:xfrm>
             <a:prstGeom prst="ellipse">
               <a:avLst/>
@@ -5872,8 +5872,8 @@
           </p:nvSpPr>
           <p:spPr>
             <a:xfrm>
-              <a:off x="7819849" y="3537471"/>
-              <a:ext cx="135612" cy="89118"/>
+              <a:off x="7819849" y="3538959"/>
+              <a:ext cx="67806" cy="87630"/>
             </a:xfrm>
             <a:prstGeom prst="rect">
               <a:avLst/>
@@ -5905,7 +5905,7 @@
                   <a:latin typeface="Arial"/>
                   <a:cs typeface="Arial"/>
                 </a:rPr>
-                <a:t>10</a:t>
+                <a:t>1</a:t>
               </a:r>
             </a:p>
           </p:txBody>
@@ -5951,7 +5951,7 @@
                   <a:latin typeface="Arial"/>
                   <a:cs typeface="Arial"/>
                 </a:rPr>
-                <a:t>50</a:t>
+                <a:t>10</a:t>
               </a:r>
             </a:p>
           </p:txBody>
